--- a/Viva/Presentation.pptx
+++ b/Viva/Presentation.pptx
@@ -10,16 +10,17 @@
     <p:sldId id="258" r:id="rId4"/>
     <p:sldId id="259" r:id="rId5"/>
     <p:sldId id="260" r:id="rId6"/>
-    <p:sldId id="261" r:id="rId7"/>
-    <p:sldId id="262" r:id="rId8"/>
-    <p:sldId id="263" r:id="rId9"/>
-    <p:sldId id="264" r:id="rId10"/>
-    <p:sldId id="265" r:id="rId11"/>
-    <p:sldId id="266" r:id="rId12"/>
-    <p:sldId id="267" r:id="rId13"/>
-    <p:sldId id="268" r:id="rId14"/>
-    <p:sldId id="269" r:id="rId15"/>
-    <p:sldId id="270" r:id="rId16"/>
+    <p:sldId id="271" r:id="rId7"/>
+    <p:sldId id="261" r:id="rId8"/>
+    <p:sldId id="262" r:id="rId9"/>
+    <p:sldId id="263" r:id="rId10"/>
+    <p:sldId id="264" r:id="rId11"/>
+    <p:sldId id="265" r:id="rId12"/>
+    <p:sldId id="266" r:id="rId13"/>
+    <p:sldId id="267" r:id="rId14"/>
+    <p:sldId id="268" r:id="rId15"/>
+    <p:sldId id="269" r:id="rId16"/>
+    <p:sldId id="270" r:id="rId17"/>
   </p:sldIdLst>
   <p:sldSz cx="12192000" cy="6858000"/>
   <p:notesSz cx="6858000" cy="9144000"/>
@@ -847,9 +848,9 @@
           <a:lstStyle/>
           <a:p>
             <a:fld id="{B61BEF0D-F0BB-DE4B-95CE-6DB70DBA9567}" type="datetimeFigureOut">
-              <a:rPr lang="en-US" dirty="0"/>
+              <a:rPr lang="en-US"/>
               <a:pPr/>
-              <a:t>6/22/17</a:t>
+              <a:t>6/26/17</a:t>
             </a:fld>
             <a:endParaRPr lang="en-US" dirty="0"/>
           </a:p>
@@ -890,7 +891,7 @@
           <a:lstStyle/>
           <a:p>
             <a:fld id="{D57F1E4F-1CFF-5643-939E-217C01CDF565}" type="slidenum">
-              <a:rPr lang="en-US" dirty="0"/>
+              <a:rPr lang="en-US"/>
               <a:pPr/>
               <a:t>‹#›</a:t>
             </a:fld>
@@ -1095,9 +1096,9 @@
           <a:lstStyle/>
           <a:p>
             <a:fld id="{B61BEF0D-F0BB-DE4B-95CE-6DB70DBA9567}" type="datetimeFigureOut">
-              <a:rPr lang="en-US" dirty="0"/>
+              <a:rPr lang="en-US"/>
               <a:pPr/>
-              <a:t>6/22/17</a:t>
+              <a:t>6/26/17</a:t>
             </a:fld>
             <a:endParaRPr lang="en-US" dirty="0"/>
           </a:p>
@@ -1138,7 +1139,7 @@
           <a:lstStyle/>
           <a:p>
             <a:fld id="{D57F1E4F-1CFF-5643-939E-217C01CDF565}" type="slidenum">
-              <a:rPr lang="en-US" dirty="0"/>
+              <a:rPr lang="en-US"/>
               <a:pPr/>
               <a:t>‹#›</a:t>
             </a:fld>
@@ -1406,9 +1407,9 @@
           <a:lstStyle/>
           <a:p>
             <a:fld id="{B61BEF0D-F0BB-DE4B-95CE-6DB70DBA9567}" type="datetimeFigureOut">
-              <a:rPr lang="en-US" dirty="0"/>
+              <a:rPr lang="en-US"/>
               <a:pPr/>
-              <a:t>6/22/17</a:t>
+              <a:t>6/26/17</a:t>
             </a:fld>
             <a:endParaRPr lang="en-US" dirty="0"/>
           </a:p>
@@ -1449,7 +1450,7 @@
           <a:lstStyle/>
           <a:p>
             <a:fld id="{D57F1E4F-1CFF-5643-939E-217C01CDF565}" type="slidenum">
-              <a:rPr lang="en-US" dirty="0"/>
+              <a:rPr lang="en-US"/>
               <a:pPr/>
               <a:t>‹#›</a:t>
             </a:fld>
@@ -1744,9 +1745,9 @@
           <a:lstStyle/>
           <a:p>
             <a:fld id="{B61BEF0D-F0BB-DE4B-95CE-6DB70DBA9567}" type="datetimeFigureOut">
-              <a:rPr lang="en-US" dirty="0"/>
+              <a:rPr lang="en-US"/>
               <a:pPr/>
-              <a:t>6/22/17</a:t>
+              <a:t>6/26/17</a:t>
             </a:fld>
             <a:endParaRPr lang="en-US" dirty="0"/>
           </a:p>
@@ -1787,7 +1788,7 @@
           <a:lstStyle/>
           <a:p>
             <a:fld id="{D57F1E4F-1CFF-5643-939E-217C01CDF565}" type="slidenum">
-              <a:rPr lang="en-US" dirty="0"/>
+              <a:rPr lang="en-US"/>
               <a:pPr/>
               <a:t>‹#›</a:t>
             </a:fld>
@@ -2055,9 +2056,9 @@
           <a:lstStyle/>
           <a:p>
             <a:fld id="{B61BEF0D-F0BB-DE4B-95CE-6DB70DBA9567}" type="datetimeFigureOut">
-              <a:rPr lang="en-US" dirty="0"/>
+              <a:rPr lang="en-US"/>
               <a:pPr/>
-              <a:t>6/22/17</a:t>
+              <a:t>6/26/17</a:t>
             </a:fld>
             <a:endParaRPr lang="en-US" dirty="0"/>
           </a:p>
@@ -2098,7 +2099,7 @@
           <a:lstStyle/>
           <a:p>
             <a:fld id="{D57F1E4F-1CFF-5643-939E-217C01CDF565}" type="slidenum">
-              <a:rPr lang="en-US" dirty="0"/>
+              <a:rPr lang="en-US"/>
               <a:pPr/>
               <a:t>‹#›</a:t>
             </a:fld>
@@ -2445,9 +2446,9 @@
           <a:lstStyle/>
           <a:p>
             <a:fld id="{B61BEF0D-F0BB-DE4B-95CE-6DB70DBA9567}" type="datetimeFigureOut">
-              <a:rPr lang="en-US" dirty="0"/>
+              <a:rPr lang="en-US"/>
               <a:pPr/>
-              <a:t>6/22/17</a:t>
+              <a:t>6/26/17</a:t>
             </a:fld>
             <a:endParaRPr lang="en-US" dirty="0"/>
           </a:p>
@@ -2488,7 +2489,7 @@
           <a:lstStyle/>
           <a:p>
             <a:fld id="{D57F1E4F-1CFF-5643-939E-217C01CDF565}" type="slidenum">
-              <a:rPr lang="en-US" dirty="0"/>
+              <a:rPr lang="en-US"/>
               <a:pPr/>
               <a:t>‹#›</a:t>
             </a:fld>
@@ -2612,8 +2613,8 @@
           <a:lstStyle/>
           <a:p>
             <a:fld id="{55C6B4A9-1611-4792-9094-5F34BCA07E0B}" type="datetimeFigureOut">
-              <a:rPr lang="en-US" dirty="0"/>
-              <a:t>6/22/17</a:t>
+              <a:rPr lang="en-US"/>
+              <a:t>6/26/17</a:t>
             </a:fld>
             <a:endParaRPr lang="en-US" dirty="0"/>
           </a:p>
@@ -2654,7 +2655,7 @@
           <a:lstStyle/>
           <a:p>
             <a:fld id="{89333C77-0158-454C-844F-B7AB9BD7DAD4}" type="slidenum">
-              <a:rPr lang="en-US" dirty="0"/>
+              <a:rPr lang="en-US"/>
               <a:t>‹#›</a:t>
             </a:fld>
             <a:endParaRPr lang="en-US" dirty="0"/>
@@ -2787,9 +2788,9 @@
           <a:lstStyle/>
           <a:p>
             <a:fld id="{B61BEF0D-F0BB-DE4B-95CE-6DB70DBA9567}" type="datetimeFigureOut">
-              <a:rPr lang="en-US" dirty="0"/>
+              <a:rPr lang="en-US"/>
               <a:pPr/>
-              <a:t>6/22/17</a:t>
+              <a:t>6/26/17</a:t>
             </a:fld>
             <a:endParaRPr lang="en-US" dirty="0"/>
           </a:p>
@@ -2830,7 +2831,7 @@
           <a:lstStyle/>
           <a:p>
             <a:fld id="{D57F1E4F-1CFF-5643-939E-217C01CDF565}" type="slidenum">
-              <a:rPr lang="en-US" dirty="0"/>
+              <a:rPr lang="en-US"/>
               <a:pPr/>
               <a:t>‹#›</a:t>
             </a:fld>
@@ -2960,9 +2961,9 @@
           <a:lstStyle/>
           <a:p>
             <a:fld id="{B61BEF0D-F0BB-DE4B-95CE-6DB70DBA9567}" type="datetimeFigureOut">
-              <a:rPr lang="en-US" dirty="0"/>
+              <a:rPr lang="en-US"/>
               <a:pPr/>
-              <a:t>6/22/17</a:t>
+              <a:t>6/26/17</a:t>
             </a:fld>
             <a:endParaRPr lang="en-US" dirty="0"/>
           </a:p>
@@ -3003,7 +3004,7 @@
           <a:lstStyle/>
           <a:p>
             <a:fld id="{D57F1E4F-1CFF-5643-939E-217C01CDF565}" type="slidenum">
-              <a:rPr lang="en-US" dirty="0"/>
+              <a:rPr lang="en-US"/>
               <a:pPr/>
               <a:t>‹#›</a:t>
             </a:fld>
@@ -3204,9 +3205,9 @@
           <a:lstStyle/>
           <a:p>
             <a:fld id="{B61BEF0D-F0BB-DE4B-95CE-6DB70DBA9567}" type="datetimeFigureOut">
-              <a:rPr lang="en-US" dirty="0"/>
+              <a:rPr lang="en-US"/>
               <a:pPr/>
-              <a:t>6/22/17</a:t>
+              <a:t>6/26/17</a:t>
             </a:fld>
             <a:endParaRPr lang="en-US" dirty="0"/>
           </a:p>
@@ -3247,7 +3248,7 @@
           <a:lstStyle/>
           <a:p>
             <a:fld id="{D57F1E4F-1CFF-5643-939E-217C01CDF565}" type="slidenum">
-              <a:rPr lang="en-US" dirty="0"/>
+              <a:rPr lang="en-US"/>
               <a:pPr/>
               <a:t>‹#›</a:t>
             </a:fld>
@@ -3433,8 +3434,8 @@
           <a:lstStyle/>
           <a:p>
             <a:fld id="{EB712588-04B1-427B-82EE-E8DB90309F08}" type="datetimeFigureOut">
-              <a:rPr lang="en-US" dirty="0"/>
-              <a:t>6/22/17</a:t>
+              <a:rPr lang="en-US"/>
+              <a:t>6/26/17</a:t>
             </a:fld>
             <a:endParaRPr lang="en-US" dirty="0"/>
           </a:p>
@@ -3475,7 +3476,7 @@
           <a:lstStyle/>
           <a:p>
             <a:fld id="{6FF9F0C5-380F-41C2-899A-BAC0F0927E16}" type="slidenum">
-              <a:rPr lang="en-US" dirty="0"/>
+              <a:rPr lang="en-US"/>
               <a:t>‹#›</a:t>
             </a:fld>
             <a:endParaRPr lang="en-US" dirty="0"/>
@@ -3802,9 +3803,9 @@
           <a:lstStyle/>
           <a:p>
             <a:fld id="{B61BEF0D-F0BB-DE4B-95CE-6DB70DBA9567}" type="datetimeFigureOut">
-              <a:rPr lang="en-US" dirty="0"/>
+              <a:rPr lang="en-US"/>
               <a:pPr/>
-              <a:t>6/22/17</a:t>
+              <a:t>6/26/17</a:t>
             </a:fld>
             <a:endParaRPr lang="en-US" dirty="0"/>
           </a:p>
@@ -3845,7 +3846,7 @@
           <a:lstStyle/>
           <a:p>
             <a:fld id="{D57F1E4F-1CFF-5643-939E-217C01CDF565}" type="slidenum">
-              <a:rPr lang="en-US" dirty="0"/>
+              <a:rPr lang="en-US"/>
               <a:pPr/>
               <a:t>‹#›</a:t>
             </a:fld>
@@ -3922,9 +3923,9 @@
           <a:lstStyle/>
           <a:p>
             <a:fld id="{B61BEF0D-F0BB-DE4B-95CE-6DB70DBA9567}" type="datetimeFigureOut">
-              <a:rPr lang="en-US" dirty="0"/>
+              <a:rPr lang="en-US"/>
               <a:pPr/>
-              <a:t>6/22/17</a:t>
+              <a:t>6/26/17</a:t>
             </a:fld>
             <a:endParaRPr lang="en-US" dirty="0"/>
           </a:p>
@@ -3965,7 +3966,7 @@
           <a:lstStyle/>
           <a:p>
             <a:fld id="{D57F1E4F-1CFF-5643-939E-217C01CDF565}" type="slidenum">
-              <a:rPr lang="en-US" dirty="0"/>
+              <a:rPr lang="en-US"/>
               <a:pPr/>
               <a:t>‹#›</a:t>
             </a:fld>
@@ -4014,9 +4015,9 @@
           <a:lstStyle/>
           <a:p>
             <a:fld id="{B61BEF0D-F0BB-DE4B-95CE-6DB70DBA9567}" type="datetimeFigureOut">
-              <a:rPr lang="en-US" dirty="0"/>
+              <a:rPr lang="en-US"/>
               <a:pPr/>
-              <a:t>6/22/17</a:t>
+              <a:t>6/26/17</a:t>
             </a:fld>
             <a:endParaRPr lang="en-US" dirty="0"/>
           </a:p>
@@ -4057,7 +4058,7 @@
           <a:lstStyle/>
           <a:p>
             <a:fld id="{D57F1E4F-1CFF-5643-939E-217C01CDF565}" type="slidenum">
-              <a:rPr lang="en-US" dirty="0"/>
+              <a:rPr lang="en-US"/>
               <a:pPr/>
               <a:t>‹#›</a:t>
             </a:fld>
@@ -4266,8 +4267,8 @@
           <a:lstStyle/>
           <a:p>
             <a:fld id="{42A54C80-263E-416B-A8E0-580EDEADCBDC}" type="datetimeFigureOut">
-              <a:rPr lang="en-US" dirty="0"/>
-              <a:t>6/22/17</a:t>
+              <a:rPr lang="en-US"/>
+              <a:t>6/26/17</a:t>
             </a:fld>
             <a:endParaRPr lang="en-US" dirty="0"/>
           </a:p>
@@ -4308,7 +4309,7 @@
           <a:lstStyle/>
           <a:p>
             <a:fld id="{519954A3-9DFD-4C44-94BA-B95130A3BA1C}" type="slidenum">
-              <a:rPr lang="en-US" dirty="0"/>
+              <a:rPr lang="en-US"/>
               <a:t>‹#›</a:t>
             </a:fld>
             <a:endParaRPr lang="en-US" dirty="0"/>
@@ -4434,7 +4435,7 @@
           </a:lstStyle>
           <a:p>
             <a:r>
-              <a:rPr lang="en-US" smtClean="0"/>
+              <a:rPr lang="en-US" dirty="0" smtClean="0"/>
               <a:t>Drag picture to placeholder or click icon to add</a:t>
             </a:r>
             <a:endParaRPr lang="en-US" dirty="0"/>
@@ -4524,9 +4525,9 @@
           <a:lstStyle/>
           <a:p>
             <a:fld id="{B61BEF0D-F0BB-DE4B-95CE-6DB70DBA9567}" type="datetimeFigureOut">
-              <a:rPr lang="en-US" dirty="0"/>
+              <a:rPr lang="en-US"/>
               <a:pPr/>
-              <a:t>6/22/17</a:t>
+              <a:t>6/26/17</a:t>
             </a:fld>
             <a:endParaRPr lang="en-US" dirty="0"/>
           </a:p>
@@ -4567,7 +4568,7 @@
           <a:lstStyle/>
           <a:p>
             <a:fld id="{D57F1E4F-1CFF-5643-939E-217C01CDF565}" type="slidenum">
-              <a:rPr lang="en-US" dirty="0"/>
+              <a:rPr lang="en-US"/>
               <a:pPr/>
               <a:t>‹#›</a:t>
             </a:fld>
@@ -5264,9 +5265,9 @@
           </a:lstStyle>
           <a:p>
             <a:fld id="{B61BEF0D-F0BB-DE4B-95CE-6DB70DBA9567}" type="datetimeFigureOut">
-              <a:rPr lang="en-US" dirty="0"/>
+              <a:rPr lang="en-US"/>
               <a:pPr/>
-              <a:t>6/22/17</a:t>
+              <a:t>6/26/17</a:t>
             </a:fld>
             <a:endParaRPr lang="en-US" dirty="0"/>
           </a:p>
@@ -5341,7 +5342,7 @@
           </a:lstStyle>
           <a:p>
             <a:fld id="{D57F1E4F-1CFF-5643-939E-217C01CDF565}" type="slidenum">
-              <a:rPr lang="en-US" dirty="0"/>
+              <a:rPr lang="en-US"/>
               <a:pPr/>
               <a:t>‹#›</a:t>
             </a:fld>
@@ -5796,7 +5797,12 @@
             <p:ph type="ctrTitle"/>
           </p:nvPr>
         </p:nvSpPr>
-        <p:spPr/>
+        <p:spPr>
+          <a:xfrm>
+            <a:off x="1507067" y="2362494"/>
+            <a:ext cx="7766936" cy="1646302"/>
+          </a:xfrm>
+        </p:spPr>
         <p:txBody>
           <a:bodyPr/>
           <a:lstStyle/>
@@ -5821,7 +5827,7 @@
         </p:nvSpPr>
         <p:spPr>
           <a:xfrm>
-            <a:off x="1507067" y="4681457"/>
+            <a:off x="1507067" y="5007276"/>
             <a:ext cx="7766936" cy="1096899"/>
           </a:xfrm>
         </p:spPr>
@@ -5845,7 +5851,7 @@
         </p:nvSpPr>
         <p:spPr>
           <a:xfrm>
-            <a:off x="1912883" y="1650124"/>
+            <a:off x="2280741" y="1650124"/>
             <a:ext cx="6960047" cy="630942"/>
           </a:xfrm>
           <a:prstGeom prst="rect">
@@ -5883,8 +5889,8 @@
         </p:nvSpPr>
         <p:spPr>
           <a:xfrm>
-            <a:off x="872364" y="4183119"/>
-            <a:ext cx="9407704" cy="477054"/>
+            <a:off x="3352798" y="4088529"/>
+            <a:ext cx="5910592" cy="861774"/>
           </a:xfrm>
           <a:prstGeom prst="rect">
             <a:avLst/>
@@ -5897,13 +5903,25 @@
           </a:bodyPr>
           <a:lstStyle/>
           <a:p>
+            <a:pPr algn="r"/>
             <a:r>
               <a:rPr lang="en-US" sz="2500" dirty="0" smtClean="0">
                 <a:solidFill>
                   <a:schemeClr val="accent1"/>
                 </a:solidFill>
               </a:rPr>
-              <a:t>Submitted to the Malta College of Arts, Science, and Technology</a:t>
+              <a:t>Submitted to the Malta College of Arts, </a:t>
+            </a:r>
+          </a:p>
+          <a:p>
+            <a:pPr algn="r"/>
+            <a:r>
+              <a:rPr lang="en-US" sz="2500" dirty="0" smtClean="0">
+                <a:solidFill>
+                  <a:schemeClr val="accent1"/>
+                </a:solidFill>
+              </a:rPr>
+              <a:t>Science, and Technology</a:t>
             </a:r>
             <a:endParaRPr lang="en-US" sz="2500" dirty="0">
               <a:solidFill>
@@ -5960,6 +5978,117 @@
           <a:p>
             <a:r>
               <a:rPr lang="en-US" dirty="0" smtClean="0"/>
+              <a:t>Result of Correlation Test</a:t>
+            </a:r>
+            <a:endParaRPr lang="en-US" dirty="0"/>
+          </a:p>
+        </p:txBody>
+      </p:sp>
+      <p:sp>
+        <p:nvSpPr>
+          <p:cNvPr id="3" name="Content Placeholder 2"/>
+          <p:cNvSpPr>
+            <a:spLocks noGrp="1"/>
+          </p:cNvSpPr>
+          <p:nvPr>
+            <p:ph idx="1"/>
+          </p:nvPr>
+        </p:nvSpPr>
+        <p:spPr>
+          <a:xfrm>
+            <a:off x="6500812" y="2160589"/>
+            <a:ext cx="2773189" cy="3880773"/>
+          </a:xfrm>
+        </p:spPr>
+        <p:txBody>
+          <a:bodyPr/>
+          <a:lstStyle/>
+          <a:p>
+            <a:r>
+              <a:rPr lang="en-US" dirty="0" smtClean="0"/>
+              <a:t>Since significant auto and partial correlation can be found, the hypothesis “the market does not follow a random walk” was supported.</a:t>
+            </a:r>
+            <a:endParaRPr lang="en-US" dirty="0"/>
+          </a:p>
+        </p:txBody>
+      </p:sp>
+      <p:pic>
+        <p:nvPicPr>
+          <p:cNvPr id="4" name="Picture 3"/>
+          <p:cNvPicPr>
+            <a:picLocks noChangeAspect="1"/>
+          </p:cNvPicPr>
+          <p:nvPr/>
+        </p:nvPicPr>
+        <p:blipFill>
+          <a:blip r:embed="rId2">
+            <a:extLst>
+              <a:ext uri="{28A0092B-C50C-407E-A947-70E740481C1C}">
+                <a14:useLocalDpi xmlns:a14="http://schemas.microsoft.com/office/drawing/2010/main" val="0"/>
+              </a:ext>
+            </a:extLst>
+          </a:blip>
+          <a:stretch>
+            <a:fillRect/>
+          </a:stretch>
+        </p:blipFill>
+        <p:spPr>
+          <a:xfrm>
+            <a:off x="677334" y="1427162"/>
+            <a:ext cx="5852160" cy="4389120"/>
+          </a:xfrm>
+          <a:prstGeom prst="rect">
+            <a:avLst/>
+          </a:prstGeom>
+        </p:spPr>
+      </p:pic>
+    </p:spTree>
+    <p:extLst>
+      <p:ext uri="{BB962C8B-B14F-4D97-AF65-F5344CB8AC3E}">
+        <p14:creationId xmlns:p14="http://schemas.microsoft.com/office/powerpoint/2010/main" val="247852827"/>
+      </p:ext>
+    </p:extLst>
+  </p:cSld>
+  <p:clrMapOvr>
+    <a:masterClrMapping/>
+  </p:clrMapOvr>
+</p:sld>
+</file>
+
+<file path=ppt/slides/slide11.xml><?xml version="1.0" encoding="utf-8"?>
+<p:sld xmlns:a="http://schemas.openxmlformats.org/drawingml/2006/main" xmlns:r="http://schemas.openxmlformats.org/officeDocument/2006/relationships" xmlns:p="http://schemas.openxmlformats.org/presentationml/2006/main">
+  <p:cSld>
+    <p:spTree>
+      <p:nvGrpSpPr>
+        <p:cNvPr id="1" name=""/>
+        <p:cNvGrpSpPr/>
+        <p:nvPr/>
+      </p:nvGrpSpPr>
+      <p:grpSpPr>
+        <a:xfrm>
+          <a:off x="0" y="0"/>
+          <a:ext cx="0" cy="0"/>
+          <a:chOff x="0" y="0"/>
+          <a:chExt cx="0" cy="0"/>
+        </a:xfrm>
+      </p:grpSpPr>
+      <p:sp>
+        <p:nvSpPr>
+          <p:cNvPr id="2" name="Title 1"/>
+          <p:cNvSpPr>
+            <a:spLocks noGrp="1"/>
+          </p:cNvSpPr>
+          <p:nvPr>
+            <p:ph type="title"/>
+          </p:nvPr>
+        </p:nvSpPr>
+        <p:spPr/>
+        <p:txBody>
+          <a:bodyPr/>
+          <a:lstStyle/>
+          <a:p>
+            <a:r>
+              <a:rPr lang="en-US" dirty="0" smtClean="0"/>
               <a:t>Hypothesis Testing</a:t>
             </a:r>
             <a:endParaRPr lang="en-US" dirty="0"/>
@@ -5983,7 +6112,7 @@
           <a:p>
             <a:r>
               <a:rPr lang="en-US" dirty="0" smtClean="0"/>
-              <a:t>“The markets are not efficient”</a:t>
+              <a:t>“The market is not efficient”</a:t>
             </a:r>
             <a:endParaRPr lang="en-US" dirty="0"/>
           </a:p>
@@ -6002,7 +6131,7 @@
 </p:sld>
 </file>
 
-<file path=ppt/slides/slide11.xml><?xml version="1.0" encoding="utf-8"?>
+<file path=ppt/slides/slide12.xml><?xml version="1.0" encoding="utf-8"?>
 <p:sld xmlns:a="http://schemas.openxmlformats.org/drawingml/2006/main" xmlns:r="http://schemas.openxmlformats.org/officeDocument/2006/relationships" xmlns:p="http://schemas.openxmlformats.org/presentationml/2006/main">
   <p:cSld>
     <p:spTree>
@@ -6113,165 +6242,6 @@
 </p:sld>
 </file>
 
-<file path=ppt/slides/slide12.xml><?xml version="1.0" encoding="utf-8"?>
-<p:sld xmlns:a="http://schemas.openxmlformats.org/drawingml/2006/main" xmlns:r="http://schemas.openxmlformats.org/officeDocument/2006/relationships" xmlns:p="http://schemas.openxmlformats.org/presentationml/2006/main">
-  <p:cSld>
-    <p:spTree>
-      <p:nvGrpSpPr>
-        <p:cNvPr id="1" name=""/>
-        <p:cNvGrpSpPr/>
-        <p:nvPr/>
-      </p:nvGrpSpPr>
-      <p:grpSpPr>
-        <a:xfrm>
-          <a:off x="0" y="0"/>
-          <a:ext cx="0" cy="0"/>
-          <a:chOff x="0" y="0"/>
-          <a:chExt cx="0" cy="0"/>
-        </a:xfrm>
-      </p:grpSpPr>
-      <p:sp>
-        <p:nvSpPr>
-          <p:cNvPr id="2" name="Title 1"/>
-          <p:cNvSpPr>
-            <a:spLocks noGrp="1"/>
-          </p:cNvSpPr>
-          <p:nvPr>
-            <p:ph type="title"/>
-          </p:nvPr>
-        </p:nvSpPr>
-        <p:spPr/>
-        <p:txBody>
-          <a:bodyPr/>
-          <a:lstStyle/>
-          <a:p>
-            <a:r>
-              <a:rPr lang="en-US" dirty="0" smtClean="0"/>
-              <a:t>Findings</a:t>
-            </a:r>
-            <a:endParaRPr lang="en-US" dirty="0"/>
-          </a:p>
-        </p:txBody>
-      </p:sp>
-      <p:sp>
-        <p:nvSpPr>
-          <p:cNvPr id="3" name="Content Placeholder 2"/>
-          <p:cNvSpPr>
-            <a:spLocks noGrp="1"/>
-          </p:cNvSpPr>
-          <p:nvPr>
-            <p:ph idx="1"/>
-          </p:nvPr>
-        </p:nvSpPr>
-        <p:spPr/>
-        <p:txBody>
-          <a:bodyPr>
-            <a:normAutofit/>
-          </a:bodyPr>
-          <a:lstStyle/>
-          <a:p>
-            <a:r>
-              <a:rPr lang="en-US" dirty="0" smtClean="0"/>
-              <a:t>Time </a:t>
-            </a:r>
-            <a:r>
-              <a:rPr lang="en-US" dirty="0"/>
-              <a:t>series analysis </a:t>
-            </a:r>
-            <a:r>
-              <a:rPr lang="en-US" dirty="0" smtClean="0"/>
-              <a:t>is </a:t>
-            </a:r>
-            <a:r>
-              <a:rPr lang="en-US" dirty="0"/>
-              <a:t>a weak factor in forecasting financial </a:t>
-            </a:r>
-            <a:r>
-              <a:rPr lang="en-US" dirty="0" smtClean="0"/>
-              <a:t>stocks </a:t>
-            </a:r>
-            <a:endParaRPr lang="en-US" dirty="0"/>
-          </a:p>
-          <a:p>
-            <a:r>
-              <a:rPr lang="en-US" dirty="0" smtClean="0"/>
-              <a:t>Bayesian </a:t>
-            </a:r>
-            <a:r>
-              <a:rPr lang="en-US" dirty="0"/>
-              <a:t>statistics </a:t>
-            </a:r>
-            <a:r>
-              <a:rPr lang="en-US" dirty="0" smtClean="0"/>
-              <a:t>is </a:t>
-            </a:r>
-            <a:r>
-              <a:rPr lang="en-US" dirty="0"/>
-              <a:t>a strong contender as a fore- casting </a:t>
-            </a:r>
-            <a:r>
-              <a:rPr lang="en-US" dirty="0" smtClean="0"/>
-              <a:t>method</a:t>
-            </a:r>
-            <a:endParaRPr lang="en-US" dirty="0"/>
-          </a:p>
-          <a:p>
-            <a:r>
-              <a:rPr lang="en-US" dirty="0" smtClean="0"/>
-              <a:t>Machine </a:t>
-            </a:r>
-            <a:r>
-              <a:rPr lang="en-US" dirty="0"/>
-              <a:t>learning was found to be the best method of forecasting using both classification and regression </a:t>
-            </a:r>
-            <a:r>
-              <a:rPr lang="en-US" dirty="0" smtClean="0"/>
-              <a:t>methods</a:t>
-            </a:r>
-            <a:endParaRPr lang="en-US" dirty="0"/>
-          </a:p>
-          <a:p>
-            <a:r>
-              <a:rPr lang="en-US" dirty="0" smtClean="0"/>
-              <a:t>Regression </a:t>
-            </a:r>
-            <a:r>
-              <a:rPr lang="en-US" dirty="0"/>
-              <a:t>methods of machine learning to fair better than classification methods when </a:t>
-            </a:r>
-            <a:r>
-              <a:rPr lang="en-US" dirty="0" smtClean="0"/>
-              <a:t>implemented </a:t>
-            </a:r>
-            <a:r>
-              <a:rPr lang="en-US" dirty="0"/>
-              <a:t>and </a:t>
-            </a:r>
-            <a:r>
-              <a:rPr lang="en-US" dirty="0" err="1" smtClean="0"/>
-              <a:t>backtested</a:t>
-            </a:r>
-            <a:r>
-              <a:rPr lang="en-US" dirty="0" smtClean="0"/>
-              <a:t> </a:t>
-            </a:r>
-            <a:endParaRPr lang="en-US" dirty="0"/>
-          </a:p>
-        </p:txBody>
-      </p:sp>
-    </p:spTree>
-    <p:extLst>
-      <p:ext uri="{BB962C8B-B14F-4D97-AF65-F5344CB8AC3E}">
-        <p14:creationId xmlns:p14="http://schemas.microsoft.com/office/powerpoint/2010/main" val="963115559"/>
-      </p:ext>
-    </p:extLst>
-  </p:cSld>
-  <p:clrMapOvr>
-    <a:masterClrMapping/>
-  </p:clrMapOvr>
-</p:sld>
-</file>
-
 <file path=ppt/slides/slide13.xml><?xml version="1.0" encoding="utf-8"?>
 <p:sld xmlns:a="http://schemas.openxmlformats.org/drawingml/2006/main" xmlns:r="http://schemas.openxmlformats.org/officeDocument/2006/relationships" xmlns:p="http://schemas.openxmlformats.org/presentationml/2006/main">
   <p:cSld>
@@ -6306,7 +6276,7 @@
           <a:p>
             <a:r>
               <a:rPr lang="en-US" dirty="0" smtClean="0"/>
-              <a:t>Conclusion</a:t>
+              <a:t>Findings</a:t>
             </a:r>
             <a:endParaRPr lang="en-US" dirty="0"/>
           </a:p>
@@ -6324,39 +6294,107 @@
         </p:nvSpPr>
         <p:spPr/>
         <p:txBody>
-          <a:bodyPr/>
+          <a:bodyPr>
+            <a:normAutofit/>
+          </a:bodyPr>
           <a:lstStyle/>
           <a:p>
             <a:r>
               <a:rPr lang="en-US" dirty="0" smtClean="0"/>
-              <a:t>Machine learning methods were successful in </a:t>
+              <a:t>Time </a:t>
             </a:r>
             <a:r>
               <a:rPr lang="en-US" dirty="0"/>
-              <a:t>forecasting future </a:t>
+              <a:t>series analysis </a:t>
             </a:r>
             <a:r>
               <a:rPr lang="en-US" dirty="0" smtClean="0"/>
-              <a:t>prices</a:t>
-            </a:r>
-            <a:endParaRPr lang="en-US" dirty="0"/>
-          </a:p>
-          <a:p>
+              <a:t>is </a:t>
+            </a:r>
+            <a:r>
+              <a:rPr lang="en-US" dirty="0"/>
+              <a:t>a weak factor in forecasting financial </a:t>
+            </a:r>
             <a:r>
               <a:rPr lang="en-US" dirty="0" smtClean="0"/>
-              <a:t>Regression faired better over classification</a:t>
-            </a:r>
+              <a:t>stocks </a:t>
+            </a:r>
+            <a:endParaRPr lang="en-US" dirty="0"/>
           </a:p>
           <a:p>
             <a:r>
               <a:rPr lang="en-US" dirty="0" smtClean="0"/>
-              <a:t>Algorithm failed in forecasting price falls</a:t>
-            </a:r>
-          </a:p>
-          <a:p>
-            <a:r>
-              <a:rPr lang="en-US" smtClean="0"/>
-              <a:t>Stop losses were successful in ensuring </a:t>
+              <a:t>Bayesian </a:t>
+            </a:r>
+            <a:r>
+              <a:rPr lang="en-US" dirty="0" smtClean="0"/>
+              <a:t>inference is </a:t>
+            </a:r>
+            <a:r>
+              <a:rPr lang="en-US" dirty="0"/>
+              <a:t>a strong contender as a </a:t>
+            </a:r>
+            <a:r>
+              <a:rPr lang="en-US" dirty="0" smtClean="0"/>
+              <a:t>forecasting </a:t>
+            </a:r>
+            <a:r>
+              <a:rPr lang="en-US" dirty="0" smtClean="0"/>
+              <a:t>method</a:t>
+            </a:r>
+            <a:endParaRPr lang="en-US" dirty="0"/>
+          </a:p>
+          <a:p>
+            <a:r>
+              <a:rPr lang="en-US" dirty="0" smtClean="0"/>
+              <a:t>Machine </a:t>
+            </a:r>
+            <a:r>
+              <a:rPr lang="en-US" dirty="0"/>
+              <a:t>learning </a:t>
+            </a:r>
+            <a:r>
+              <a:rPr lang="en-US" dirty="0" smtClean="0"/>
+              <a:t>is </a:t>
+            </a:r>
+            <a:r>
+              <a:rPr lang="en-US" dirty="0"/>
+              <a:t>the best method of forecasting using both classification and regression </a:t>
+            </a:r>
+            <a:r>
+              <a:rPr lang="en-US" dirty="0" smtClean="0"/>
+              <a:t>methods</a:t>
+            </a:r>
+            <a:endParaRPr lang="en-US" dirty="0"/>
+          </a:p>
+          <a:p>
+            <a:r>
+              <a:rPr lang="en-US" dirty="0" smtClean="0"/>
+              <a:t>Regression </a:t>
+            </a:r>
+            <a:r>
+              <a:rPr lang="en-US" dirty="0"/>
+              <a:t>methods of machine learning </a:t>
+            </a:r>
+            <a:r>
+              <a:rPr lang="en-US" dirty="0" smtClean="0"/>
+              <a:t>fair </a:t>
+            </a:r>
+            <a:r>
+              <a:rPr lang="en-US" dirty="0"/>
+              <a:t>better than classification methods when </a:t>
+            </a:r>
+            <a:r>
+              <a:rPr lang="en-US" dirty="0" smtClean="0"/>
+              <a:t>implemented </a:t>
+            </a:r>
+            <a:r>
+              <a:rPr lang="en-US" dirty="0"/>
+              <a:t>and </a:t>
+            </a:r>
+            <a:r>
+              <a:rPr lang="en-US" dirty="0" smtClean="0"/>
+              <a:t>backtested </a:t>
             </a:r>
             <a:endParaRPr lang="en-US" dirty="0"/>
           </a:p>
@@ -6365,7 +6403,7 @@
     </p:spTree>
     <p:extLst>
       <p:ext uri="{BB962C8B-B14F-4D97-AF65-F5344CB8AC3E}">
-        <p14:creationId xmlns:p14="http://schemas.microsoft.com/office/powerpoint/2010/main" val="293025102"/>
+        <p14:creationId xmlns:p14="http://schemas.microsoft.com/office/powerpoint/2010/main" val="963115559"/>
       </p:ext>
     </p:extLst>
   </p:cSld>
@@ -6409,6 +6447,109 @@
           <a:p>
             <a:r>
               <a:rPr lang="en-US" dirty="0" smtClean="0"/>
+              <a:t>Conclusion</a:t>
+            </a:r>
+            <a:endParaRPr lang="en-US" dirty="0"/>
+          </a:p>
+        </p:txBody>
+      </p:sp>
+      <p:sp>
+        <p:nvSpPr>
+          <p:cNvPr id="3" name="Content Placeholder 2"/>
+          <p:cNvSpPr>
+            <a:spLocks noGrp="1"/>
+          </p:cNvSpPr>
+          <p:nvPr>
+            <p:ph idx="1"/>
+          </p:nvPr>
+        </p:nvSpPr>
+        <p:spPr/>
+        <p:txBody>
+          <a:bodyPr/>
+          <a:lstStyle/>
+          <a:p>
+            <a:r>
+              <a:rPr lang="en-US" dirty="0" smtClean="0"/>
+              <a:t>Machine learning methods were successful in </a:t>
+            </a:r>
+            <a:r>
+              <a:rPr lang="en-US" dirty="0"/>
+              <a:t>forecasting future </a:t>
+            </a:r>
+            <a:r>
+              <a:rPr lang="en-US" dirty="0" smtClean="0"/>
+              <a:t>prices</a:t>
+            </a:r>
+            <a:endParaRPr lang="en-US" dirty="0"/>
+          </a:p>
+          <a:p>
+            <a:r>
+              <a:rPr lang="en-US" dirty="0" smtClean="0"/>
+              <a:t>Regression faired better over classification</a:t>
+            </a:r>
+          </a:p>
+          <a:p>
+            <a:r>
+              <a:rPr lang="en-US" dirty="0" smtClean="0"/>
+              <a:t>Algorithm failed in forecasting price falls</a:t>
+            </a:r>
+          </a:p>
+          <a:p>
+            <a:r>
+              <a:rPr lang="en-US" dirty="0" smtClean="0"/>
+              <a:t>Stop losses were successful in limiting downfalls  </a:t>
+            </a:r>
+            <a:endParaRPr lang="en-US" dirty="0"/>
+          </a:p>
+        </p:txBody>
+      </p:sp>
+    </p:spTree>
+    <p:extLst>
+      <p:ext uri="{BB962C8B-B14F-4D97-AF65-F5344CB8AC3E}">
+        <p14:creationId xmlns:p14="http://schemas.microsoft.com/office/powerpoint/2010/main" val="293025102"/>
+      </p:ext>
+    </p:extLst>
+  </p:cSld>
+  <p:clrMapOvr>
+    <a:masterClrMapping/>
+  </p:clrMapOvr>
+</p:sld>
+</file>
+
+<file path=ppt/slides/slide15.xml><?xml version="1.0" encoding="utf-8"?>
+<p:sld xmlns:a="http://schemas.openxmlformats.org/drawingml/2006/main" xmlns:r="http://schemas.openxmlformats.org/officeDocument/2006/relationships" xmlns:p="http://schemas.openxmlformats.org/presentationml/2006/main">
+  <p:cSld>
+    <p:spTree>
+      <p:nvGrpSpPr>
+        <p:cNvPr id="1" name=""/>
+        <p:cNvGrpSpPr/>
+        <p:nvPr/>
+      </p:nvGrpSpPr>
+      <p:grpSpPr>
+        <a:xfrm>
+          <a:off x="0" y="0"/>
+          <a:ext cx="0" cy="0"/>
+          <a:chOff x="0" y="0"/>
+          <a:chExt cx="0" cy="0"/>
+        </a:xfrm>
+      </p:grpSpPr>
+      <p:sp>
+        <p:nvSpPr>
+          <p:cNvPr id="2" name="Title 1"/>
+          <p:cNvSpPr>
+            <a:spLocks noGrp="1"/>
+          </p:cNvSpPr>
+          <p:nvPr>
+            <p:ph type="title"/>
+          </p:nvPr>
+        </p:nvSpPr>
+        <p:spPr/>
+        <p:txBody>
+          <a:bodyPr/>
+          <a:lstStyle/>
+          <a:p>
+            <a:r>
+              <a:rPr lang="en-US" dirty="0" smtClean="0"/>
               <a:t>Suggestions</a:t>
             </a:r>
             <a:endParaRPr lang="en-US" dirty="0"/>
@@ -6469,7 +6610,7 @@
 </p:sld>
 </file>
 
-<file path=ppt/slides/slide15.xml><?xml version="1.0" encoding="utf-8"?>
+<file path=ppt/slides/slide16.xml><?xml version="1.0" encoding="utf-8"?>
 <p:sld xmlns:a="http://schemas.openxmlformats.org/drawingml/2006/main" xmlns:r="http://schemas.openxmlformats.org/officeDocument/2006/relationships" xmlns:p="http://schemas.openxmlformats.org/presentationml/2006/main">
   <p:cSld>
     <p:spTree>
@@ -6686,12 +6827,14 @@
           <a:lstStyle/>
           <a:p>
             <a:r>
-              <a:rPr lang="en-US" dirty="0"/>
-              <a:t>Disproving Random Walk Hypothesis (RWH) and Efficient Market Hypothesis (EMH</a:t>
-            </a:r>
-            <a:r>
               <a:rPr lang="en-US" dirty="0" smtClean="0"/>
-              <a:t>)</a:t>
+              <a:t>Using data science and algorithmic trading to invest in stocks</a:t>
+            </a:r>
+          </a:p>
+          <a:p>
+            <a:r>
+              <a:rPr lang="en-US" dirty="0" smtClean="0"/>
+              <a:t>Beating the market by making a larger profit</a:t>
             </a:r>
             <a:endParaRPr lang="en-US" dirty="0"/>
           </a:p>
@@ -6794,8 +6937,13 @@
           <a:p>
             <a:r>
               <a:rPr lang="en-US" dirty="0"/>
-              <a:t>Building an algorithm to trade stocks using machine learning </a:t>
-            </a:r>
+              <a:t>Building an algorithm to trade stocks using </a:t>
+            </a:r>
+            <a:r>
+              <a:rPr lang="en-US" dirty="0" smtClean="0"/>
+              <a:t>the best technique</a:t>
+            </a:r>
+            <a:endParaRPr lang="en-US" dirty="0"/>
           </a:p>
           <a:p>
             <a:endParaRPr lang="en-US" dirty="0"/>
@@ -6931,7 +7079,7 @@
           <a:p>
             <a:r>
               <a:rPr lang="en-US" dirty="0" smtClean="0"/>
-              <a:t>Research Methodology</a:t>
+              <a:t>Previous Work</a:t>
             </a:r>
             <a:endParaRPr lang="en-US" dirty="0"/>
           </a:p>
@@ -6953,15 +7101,54 @@
           <a:lstStyle/>
           <a:p>
             <a:r>
+              <a:rPr lang="en-US" dirty="0" err="1" smtClean="0"/>
+              <a:t>Radha</a:t>
+            </a:r>
+            <a:r>
               <a:rPr lang="en-US" dirty="0" smtClean="0"/>
-              <a:t>The universe selected for the study is the US market</a:t>
-            </a:r>
-          </a:p>
-          <a:p>
+              <a:t> et al. used ARMA and ARIMA models to forecast short-term interest rates</a:t>
+            </a:r>
+          </a:p>
+          <a:p>
+            <a:r>
+              <a:rPr lang="en-US" dirty="0" err="1" smtClean="0"/>
+              <a:t>Darrat</a:t>
+            </a:r>
             <a:r>
               <a:rPr lang="en-US" dirty="0" smtClean="0"/>
-              <a:t>The target population for this study is a data set of 3000 equities </a:t>
-            </a:r>
+              <a:t> et al. used time series analysis to test the random walk hypothesis</a:t>
+            </a:r>
+          </a:p>
+          <a:p>
+            <a:r>
+              <a:rPr lang="en-US" dirty="0" smtClean="0"/>
+              <a:t>Kumar et al. used classification models to predict market movement</a:t>
+            </a:r>
+          </a:p>
+          <a:p>
+            <a:r>
+              <a:rPr lang="en-US" dirty="0" smtClean="0"/>
+              <a:t>Creamer et al. developed a trading algorithm using machine learning</a:t>
+            </a:r>
+          </a:p>
+          <a:p>
+            <a:r>
+              <a:rPr lang="en-US" dirty="0" smtClean="0"/>
+              <a:t>Hoffman et al. </a:t>
+            </a:r>
+            <a:r>
+              <a:rPr lang="en-US" dirty="0"/>
+              <a:t>introduced the NUTS </a:t>
+            </a:r>
+            <a:r>
+              <a:rPr lang="en-US" dirty="0" smtClean="0"/>
+              <a:t>model, an </a:t>
+            </a:r>
+            <a:r>
+              <a:rPr lang="en-US" dirty="0"/>
+              <a:t>improvement to the HMC model </a:t>
+            </a:r>
+            <a:endParaRPr lang="en-US" dirty="0"/>
           </a:p>
           <a:p>
             <a:endParaRPr lang="en-US" dirty="0"/>
@@ -6971,7 +7158,7 @@
     </p:spTree>
     <p:extLst>
       <p:ext uri="{BB962C8B-B14F-4D97-AF65-F5344CB8AC3E}">
-        <p14:creationId xmlns:p14="http://schemas.microsoft.com/office/powerpoint/2010/main" val="1829933944"/>
+        <p14:creationId xmlns:p14="http://schemas.microsoft.com/office/powerpoint/2010/main" val="1587385769"/>
       </p:ext>
     </p:extLst>
   </p:cSld>
@@ -7015,7 +7202,7 @@
           <a:p>
             <a:r>
               <a:rPr lang="en-US" dirty="0" smtClean="0"/>
-              <a:t>Data Analysis &amp; Interpretation</a:t>
+              <a:t>Research Methodology</a:t>
             </a:r>
             <a:endParaRPr lang="en-US" dirty="0"/>
           </a:p>
@@ -7037,17 +7224,44 @@
           <a:lstStyle/>
           <a:p>
             <a:r>
-              <a:rPr lang="en-US" dirty="0"/>
-              <a:t>The pairwise correlation coefficient was calculated</a:t>
-            </a:r>
-          </a:p>
-          <a:p>
-            <a:r>
-              <a:rPr lang="en-US" dirty="0"/>
-              <a:t>Only stocks which were neutrally correlated were used in the study</a:t>
-            </a:r>
-          </a:p>
-          <a:p>
+              <a:rPr lang="en-US" dirty="0" smtClean="0"/>
+              <a:t>The universe selected for the study is the US market</a:t>
+            </a:r>
+          </a:p>
+          <a:p>
+            <a:r>
+              <a:rPr lang="en-US" dirty="0" smtClean="0"/>
+              <a:t>The target population for this study is a data set of 3000 </a:t>
+            </a:r>
+            <a:r>
+              <a:rPr lang="en-US" dirty="0" smtClean="0"/>
+              <a:t>equities</a:t>
+            </a:r>
+          </a:p>
+          <a:p>
+            <a:r>
+              <a:rPr lang="en-US" dirty="0" smtClean="0"/>
+              <a:t>Stock data ranged from 1990-2017</a:t>
+            </a:r>
+            <a:r>
+              <a:rPr lang="en-US" dirty="0" smtClean="0"/>
+              <a:t> </a:t>
+            </a:r>
+            <a:endParaRPr lang="en-US" dirty="0" smtClean="0"/>
+          </a:p>
+          <a:p>
+            <a:r>
+              <a:rPr lang="en-US" dirty="0" smtClean="0"/>
+              <a:t>Trading algorithm was </a:t>
+            </a:r>
+            <a:r>
+              <a:rPr lang="en-US" dirty="0" err="1" smtClean="0"/>
+              <a:t>backested</a:t>
+            </a:r>
+            <a:r>
+              <a:rPr lang="en-US" dirty="0" smtClean="0"/>
+              <a:t> over the period 2010-2017</a:t>
+            </a:r>
             <a:endParaRPr lang="en-US" dirty="0"/>
           </a:p>
         </p:txBody>
@@ -7055,7 +7269,7 @@
     </p:spTree>
     <p:extLst>
       <p:ext uri="{BB962C8B-B14F-4D97-AF65-F5344CB8AC3E}">
-        <p14:creationId xmlns:p14="http://schemas.microsoft.com/office/powerpoint/2010/main" val="1191141635"/>
+        <p14:creationId xmlns:p14="http://schemas.microsoft.com/office/powerpoint/2010/main" val="1829933944"/>
       </p:ext>
     </p:extLst>
   </p:cSld>
@@ -7099,7 +7313,7 @@
           <a:p>
             <a:r>
               <a:rPr lang="en-US" dirty="0" smtClean="0"/>
-              <a:t>Hypothesis Testing</a:t>
+              <a:t>Data Analysis &amp; Interpretation</a:t>
             </a:r>
             <a:endParaRPr lang="en-US" dirty="0"/>
           </a:p>
@@ -7121,8 +7335,31 @@
           <a:lstStyle/>
           <a:p>
             <a:r>
+              <a:rPr lang="en-US" dirty="0"/>
+              <a:t>The pairwise correlation coefficient was calculated</a:t>
+            </a:r>
+          </a:p>
+          <a:p>
+            <a:r>
+              <a:rPr lang="en-US" dirty="0"/>
+              <a:t>Only stocks which were neutrally correlated were used in the </a:t>
+            </a:r>
+            <a:r>
               <a:rPr lang="en-US" dirty="0" smtClean="0"/>
-              <a:t>“The market does not follow a random walk”</a:t>
+              <a:t>study</a:t>
+            </a:r>
+          </a:p>
+          <a:p>
+            <a:r>
+              <a:rPr lang="en-US" dirty="0" smtClean="0"/>
+              <a:t>Logarithmic returns were calculated for time series analysis and Bayesian inference</a:t>
+            </a:r>
+            <a:endParaRPr lang="en-US" dirty="0"/>
+          </a:p>
+          <a:p>
+            <a:r>
+              <a:rPr lang="en-US" dirty="0" smtClean="0"/>
+              <a:t>15 and 50 day simple moving averages were calculated for forecasting</a:t>
             </a:r>
             <a:endParaRPr lang="en-US" dirty="0"/>
           </a:p>
@@ -7131,7 +7368,7 @@
     </p:spTree>
     <p:extLst>
       <p:ext uri="{BB962C8B-B14F-4D97-AF65-F5344CB8AC3E}">
-        <p14:creationId xmlns:p14="http://schemas.microsoft.com/office/powerpoint/2010/main" val="1036836836"/>
+        <p14:creationId xmlns:p14="http://schemas.microsoft.com/office/powerpoint/2010/main" val="1191141635"/>
       </p:ext>
     </p:extLst>
   </p:cSld>
@@ -7175,7 +7412,7 @@
           <a:p>
             <a:r>
               <a:rPr lang="en-US" dirty="0" smtClean="0"/>
-              <a:t>Result of Correlation Test</a:t>
+              <a:t>Hypothesis Testing</a:t>
             </a:r>
             <a:endParaRPr lang="en-US" dirty="0"/>
           </a:p>
@@ -7191,58 +7428,23 @@
             <p:ph idx="1"/>
           </p:nvPr>
         </p:nvSpPr>
-        <p:spPr>
-          <a:xfrm>
-            <a:off x="6500812" y="2160589"/>
-            <a:ext cx="2773189" cy="3880773"/>
-          </a:xfrm>
-        </p:spPr>
+        <p:spPr/>
         <p:txBody>
           <a:bodyPr/>
           <a:lstStyle/>
           <a:p>
             <a:r>
               <a:rPr lang="en-US" dirty="0" smtClean="0"/>
-              <a:t>Since significant auto and partial correlation can be found, the hypothesis “the market does not follow a random walk” was supported.</a:t>
-            </a:r>
-            <a:endParaRPr lang="en-US" dirty="0"/>
-          </a:p>
-        </p:txBody>
-      </p:sp>
-      <p:pic>
-        <p:nvPicPr>
-          <p:cNvPr id="4" name="Picture 3"/>
-          <p:cNvPicPr>
-            <a:picLocks noChangeAspect="1"/>
-          </p:cNvPicPr>
-          <p:nvPr/>
-        </p:nvPicPr>
-        <p:blipFill>
-          <a:blip r:embed="rId2">
-            <a:extLst>
-              <a:ext uri="{28A0092B-C50C-407E-A947-70E740481C1C}">
-                <a14:useLocalDpi xmlns:a14="http://schemas.microsoft.com/office/drawing/2010/main" val="0"/>
-              </a:ext>
-            </a:extLst>
-          </a:blip>
-          <a:stretch>
-            <a:fillRect/>
-          </a:stretch>
-        </p:blipFill>
-        <p:spPr>
-          <a:xfrm>
-            <a:off x="677334" y="1427162"/>
-            <a:ext cx="5852160" cy="4389120"/>
-          </a:xfrm>
-          <a:prstGeom prst="rect">
-            <a:avLst/>
-          </a:prstGeom>
-        </p:spPr>
-      </p:pic>
+              <a:t>“The market does not follow a random walk”</a:t>
+            </a:r>
+            <a:endParaRPr lang="en-US" dirty="0"/>
+          </a:p>
+        </p:txBody>
+      </p:sp>
     </p:spTree>
     <p:extLst>
       <p:ext uri="{BB962C8B-B14F-4D97-AF65-F5344CB8AC3E}">
-        <p14:creationId xmlns:p14="http://schemas.microsoft.com/office/powerpoint/2010/main" val="247852827"/>
+        <p14:creationId xmlns:p14="http://schemas.microsoft.com/office/powerpoint/2010/main" val="1036836836"/>
       </p:ext>
     </p:extLst>
   </p:cSld>
